--- a/WebdriverIO.pptx
+++ b/WebdriverIO.pptx
@@ -33,9 +33,12 @@
     <p:sldId id="277" r:id="rId27"/>
     <p:sldId id="275" r:id="rId28"/>
     <p:sldId id="289" r:id="rId29"/>
-    <p:sldId id="276" r:id="rId30"/>
-    <p:sldId id="279" r:id="rId31"/>
-    <p:sldId id="280" r:id="rId32"/>
+    <p:sldId id="292" r:id="rId30"/>
+    <p:sldId id="276" r:id="rId31"/>
+    <p:sldId id="279" r:id="rId32"/>
+    <p:sldId id="280" r:id="rId33"/>
+    <p:sldId id="290" r:id="rId34"/>
+    <p:sldId id="291" r:id="rId35"/>
   </p:sldIdLst>
   <p:sldSz cx="12192000" cy="6858000"/>
   <p:notesSz cx="6858000" cy="9144000"/>
@@ -19077,14 +19080,19 @@
             <p:ph type="title"/>
           </p:nvPr>
         </p:nvSpPr>
-        <p:spPr/>
+        <p:spPr>
+          <a:xfrm>
+            <a:off x="677334" y="579120"/>
+            <a:ext cx="8596668" cy="1320800"/>
+          </a:xfrm>
+        </p:spPr>
         <p:txBody>
           <a:bodyPr/>
           <a:lstStyle/>
           <a:p>
             <a:r>
               <a:rPr lang="en-IN" dirty="0"/>
-              <a:t>Execute Your First Program</a:t>
+              <a:t>Jenkins</a:t>
             </a:r>
           </a:p>
         </p:txBody>
@@ -19094,7 +19102,7 @@
           <p:cNvPr id="3" name="TextBox 2">
             <a:extLst>
               <a:ext uri="{FF2B5EF4-FFF2-40B4-BE49-F238E27FC236}">
-                <a16:creationId xmlns:a16="http://schemas.microsoft.com/office/drawing/2014/main" id="{11A06A6F-D366-4227-9879-698B7966A8ED}"/>
+                <a16:creationId xmlns:a16="http://schemas.microsoft.com/office/drawing/2014/main" id="{28FC19BA-8A72-4157-96DC-369005BBBE04}"/>
               </a:ext>
             </a:extLst>
           </p:cNvPr>
@@ -19103,8 +19111,8 @@
         </p:nvSpPr>
         <p:spPr>
           <a:xfrm>
-            <a:off x="1275080" y="1361440"/>
-            <a:ext cx="9641840" cy="5183727"/>
+            <a:off x="1910080" y="1715254"/>
+            <a:ext cx="7975600" cy="4678204"/>
           </a:xfrm>
           <a:prstGeom prst="rect">
             <a:avLst/>
@@ -19117,260 +19125,376 @@
           </a:bodyPr>
           <a:lstStyle/>
           <a:p>
-            <a:pPr indent="-342900">
-              <a:lnSpc>
-                <a:spcPct val="107000"/>
-              </a:lnSpc>
-              <a:spcBef>
-                <a:spcPts val="375"/>
-              </a:spcBef>
-              <a:spcAft>
-                <a:spcPts val="1125"/>
-              </a:spcAft>
-              <a:buFont typeface="+mj-lt"/>
+            <a:pPr marL="457200" indent="-457200">
               <a:buAutoNum type="arabicPeriod"/>
             </a:pPr>
             <a:r>
+              <a:rPr lang="en-US" sz="2000" dirty="0">
+                <a:solidFill>
+                  <a:srgbClr val="1C1E21"/>
+                </a:solidFill>
+                <a:latin typeface="IBM Plex Sans"/>
+              </a:rPr>
+              <a:t>WebdriverIO supports integration with Jenkins</a:t>
+            </a:r>
+            <a:r>
               <a:rPr lang="en-IN" sz="2000" dirty="0">
                 <a:solidFill>
                   <a:srgbClr val="1C1E21"/>
                 </a:solidFill>
                 <a:latin typeface="IBM Plex Sans"/>
               </a:rPr>
-              <a:t>Execute the command: </a:t>
-            </a:r>
-            <a:r>
-              <a:rPr lang="en-IN" sz="2000" b="1" dirty="0" err="1">
-                <a:solidFill>
-                  <a:srgbClr val="1C1E21"/>
-                </a:solidFill>
-                <a:latin typeface="IBM Plex Sans"/>
-              </a:rPr>
-              <a:t>npx</a:t>
-            </a:r>
-            <a:r>
-              <a:rPr lang="en-IN" sz="2000" b="1" dirty="0">
-                <a:solidFill>
-                  <a:srgbClr val="1C1E21"/>
-                </a:solidFill>
-                <a:latin typeface="IBM Plex Sans"/>
+              <a:t>. Depending on the framework being used, install a Jenkins plugin</a:t>
+            </a:r>
+            <a:r>
+              <a:rPr lang="en-US" sz="2000" dirty="0">
+                <a:solidFill>
+                  <a:srgbClr val="1C1E21"/>
+                </a:solidFill>
+                <a:latin typeface="IBM Plex Sans"/>
+              </a:rPr>
+              <a:t>. E.g. Install cucumber plugin if cucumber framework is being used. Here, Junit is being used for demo purpose </a:t>
+            </a:r>
+            <a:r>
+              <a:rPr lang="en-IN" sz="2000" b="1" i="1" dirty="0" err="1">
+                <a:solidFill>
+                  <a:srgbClr val="1C1E21"/>
+                </a:solidFill>
+                <a:effectLst/>
+                <a:latin typeface="IBM Plex Mono"/>
+              </a:rPr>
+              <a:t>npm</a:t>
+            </a:r>
+            <a:r>
+              <a:rPr lang="en-IN" sz="2000" b="1" i="1" dirty="0">
+                <a:solidFill>
+                  <a:srgbClr val="1C1E21"/>
+                </a:solidFill>
+                <a:effectLst/>
+                <a:latin typeface="IBM Plex Mono"/>
+              </a:rPr>
+              <a:t> install @wdio/junit-reporter --save-dev</a:t>
+            </a:r>
+          </a:p>
+          <a:p>
+            <a:pPr marL="457200" indent="-457200">
+              <a:buAutoNum type="arabicPeriod"/>
+            </a:pPr>
+            <a:r>
+              <a:rPr lang="en-US" sz="2000" dirty="0">
+                <a:solidFill>
+                  <a:srgbClr val="1C1E21"/>
+                </a:solidFill>
+                <a:latin typeface="IBM Plex Sans"/>
+              </a:rPr>
+              <a:t>Update your config to save your </a:t>
+            </a:r>
+            <a:r>
+              <a:rPr lang="en-US" sz="2000" dirty="0" err="1">
+                <a:solidFill>
+                  <a:srgbClr val="1C1E21"/>
+                </a:solidFill>
+                <a:latin typeface="IBM Plex Sans"/>
+              </a:rPr>
+              <a:t>XUnit</a:t>
+            </a:r>
+            <a:r>
+              <a:rPr lang="en-US" sz="2000" dirty="0">
+                <a:solidFill>
+                  <a:srgbClr val="1C1E21"/>
+                </a:solidFill>
+                <a:latin typeface="IBM Plex Sans"/>
+              </a:rPr>
+              <a:t> results where Jenkins can find them, (and specify the </a:t>
+            </a:r>
+            <a:r>
+              <a:rPr lang="en-US" sz="2000" dirty="0" err="1">
+                <a:solidFill>
+                  <a:srgbClr val="1C1E21"/>
+                </a:solidFill>
+                <a:latin typeface="IBM Plex Sans"/>
+              </a:rPr>
+              <a:t>junit</a:t>
+            </a:r>
+            <a:r>
+              <a:rPr lang="en-US" sz="2000" dirty="0">
+                <a:solidFill>
+                  <a:srgbClr val="1C1E21"/>
+                </a:solidFill>
+                <a:latin typeface="IBM Plex Sans"/>
+              </a:rPr>
+              <a:t> reporter):</a:t>
+            </a:r>
+          </a:p>
+          <a:p>
+            <a:pPr lvl="1"/>
+            <a:r>
+              <a:rPr lang="en-IN" sz="1400" b="0" i="0" dirty="0">
+                <a:solidFill>
+                  <a:srgbClr val="6A9955"/>
+                </a:solidFill>
+                <a:effectLst/>
+                <a:latin typeface="IBM Plex Mono"/>
+              </a:rPr>
+              <a:t>// wdio.conf.js</a:t>
+            </a:r>
+            <a:endParaRPr lang="en-IN" sz="1400" b="0" i="0" dirty="0">
+              <a:solidFill>
+                <a:srgbClr val="24292E"/>
+              </a:solidFill>
+              <a:effectLst/>
+              <a:latin typeface="IBM Plex Mono"/>
+            </a:endParaRPr>
+          </a:p>
+          <a:p>
+            <a:pPr lvl="1"/>
+            <a:r>
+              <a:rPr lang="en-IN" sz="1400" b="0" i="0" dirty="0" err="1">
+                <a:solidFill>
+                  <a:srgbClr val="24292E"/>
+                </a:solidFill>
+                <a:effectLst/>
+                <a:latin typeface="IBM Plex Mono"/>
+              </a:rPr>
+              <a:t>module.</a:t>
+            </a:r>
+            <a:r>
+              <a:rPr lang="en-IN" sz="1400" b="0" i="0" dirty="0" err="1">
+                <a:solidFill>
+                  <a:srgbClr val="6F42C1"/>
+                </a:solidFill>
+                <a:effectLst/>
+                <a:latin typeface="IBM Plex Mono"/>
+              </a:rPr>
+              <a:t>exports</a:t>
+            </a:r>
+            <a:r>
+              <a:rPr lang="en-IN" sz="1400" b="0" i="0" dirty="0">
+                <a:solidFill>
+                  <a:srgbClr val="24292E"/>
+                </a:solidFill>
+                <a:effectLst/>
+                <a:latin typeface="IBM Plex Mono"/>
               </a:rPr>
               <a:t> </a:t>
             </a:r>
             <a:r>
-              <a:rPr lang="en-IN" sz="2000" b="1" dirty="0" err="1">
-                <a:solidFill>
-                  <a:srgbClr val="1C1E21"/>
-                </a:solidFill>
-                <a:latin typeface="IBM Plex Sans"/>
-              </a:rPr>
-              <a:t>wdio</a:t>
-            </a:r>
-            <a:r>
-              <a:rPr lang="en-IN" sz="2000" b="1" dirty="0">
-                <a:solidFill>
-                  <a:srgbClr val="1C1E21"/>
-                </a:solidFill>
-                <a:latin typeface="IBM Plex Sans"/>
-              </a:rPr>
-              <a:t> run ./wdio.conf.js</a:t>
-            </a:r>
-            <a:r>
-              <a:rPr lang="en-IN" sz="2000" dirty="0">
-                <a:solidFill>
-                  <a:srgbClr val="1C1E21"/>
-                </a:solidFill>
-                <a:latin typeface="IBM Plex Sans"/>
-              </a:rPr>
-              <a:t> to run the project.</a:t>
-            </a:r>
-          </a:p>
-          <a:p>
-            <a:pPr indent="-342900">
-              <a:lnSpc>
-                <a:spcPct val="107000"/>
-              </a:lnSpc>
-              <a:spcBef>
-                <a:spcPts val="375"/>
-              </a:spcBef>
-              <a:spcAft>
-                <a:spcPts val="1125"/>
-              </a:spcAft>
-              <a:buFont typeface="+mj-lt"/>
+              <a:rPr lang="en-IN" sz="1400" b="0" i="0" dirty="0">
+                <a:solidFill>
+                  <a:srgbClr val="005CC5"/>
+                </a:solidFill>
+                <a:effectLst/>
+                <a:latin typeface="IBM Plex Mono"/>
+              </a:rPr>
+              <a:t>=</a:t>
+            </a:r>
+            <a:r>
+              <a:rPr lang="en-IN" sz="1400" b="0" i="0" dirty="0">
+                <a:solidFill>
+                  <a:srgbClr val="24292E"/>
+                </a:solidFill>
+                <a:effectLst/>
+                <a:latin typeface="IBM Plex Mono"/>
+              </a:rPr>
+              <a:t> {</a:t>
+            </a:r>
+          </a:p>
+          <a:p>
+            <a:pPr lvl="1"/>
+            <a:r>
+              <a:rPr lang="en-IN" sz="1400" b="0" i="0" dirty="0">
+                <a:solidFill>
+                  <a:srgbClr val="24292E"/>
+                </a:solidFill>
+                <a:effectLst/>
+                <a:latin typeface="IBM Plex Mono"/>
+              </a:rPr>
+              <a:t>reporters</a:t>
+            </a:r>
+            <a:r>
+              <a:rPr lang="en-IN" sz="1400" b="0" i="0" dirty="0">
+                <a:solidFill>
+                  <a:srgbClr val="005CC5"/>
+                </a:solidFill>
+                <a:effectLst/>
+                <a:latin typeface="IBM Plex Mono"/>
+              </a:rPr>
+              <a:t>:</a:t>
+            </a:r>
+            <a:r>
+              <a:rPr lang="en-IN" sz="1400" b="0" i="0" dirty="0">
+                <a:solidFill>
+                  <a:srgbClr val="24292E"/>
+                </a:solidFill>
+                <a:effectLst/>
+                <a:latin typeface="IBM Plex Mono"/>
+              </a:rPr>
+              <a:t> ['dot',['</a:t>
+            </a:r>
+            <a:r>
+              <a:rPr lang="en-IN" sz="1400" b="0" i="0" dirty="0" err="1">
+                <a:solidFill>
+                  <a:srgbClr val="24292E"/>
+                </a:solidFill>
+                <a:effectLst/>
+                <a:latin typeface="IBM Plex Mono"/>
+              </a:rPr>
+              <a:t>junit</a:t>
+            </a:r>
+            <a:r>
+              <a:rPr lang="en-IN" sz="1400" b="0" i="0" dirty="0">
+                <a:solidFill>
+                  <a:srgbClr val="24292E"/>
+                </a:solidFill>
+                <a:effectLst/>
+                <a:latin typeface="IBM Plex Mono"/>
+              </a:rPr>
+              <a:t>', {</a:t>
+            </a:r>
+          </a:p>
+          <a:p>
+            <a:pPr lvl="1"/>
+            <a:r>
+              <a:rPr lang="en-IN" sz="1400" b="0" i="0" dirty="0" err="1">
+                <a:solidFill>
+                  <a:srgbClr val="24292E"/>
+                </a:solidFill>
+                <a:effectLst/>
+                <a:latin typeface="IBM Plex Mono"/>
+              </a:rPr>
+              <a:t>outputDir</a:t>
+            </a:r>
+            <a:r>
+              <a:rPr lang="en-IN" sz="1400" b="0" i="0" dirty="0">
+                <a:solidFill>
+                  <a:srgbClr val="005CC5"/>
+                </a:solidFill>
+                <a:effectLst/>
+                <a:latin typeface="IBM Plex Mono"/>
+              </a:rPr>
+              <a:t>:</a:t>
+            </a:r>
+            <a:r>
+              <a:rPr lang="en-IN" sz="1400" b="0" i="0" dirty="0">
+                <a:solidFill>
+                  <a:srgbClr val="24292E"/>
+                </a:solidFill>
+                <a:effectLst/>
+                <a:latin typeface="IBM Plex Mono"/>
+              </a:rPr>
+              <a:t> './'</a:t>
+            </a:r>
+          </a:p>
+          <a:p>
+            <a:pPr lvl="1"/>
+            <a:r>
+              <a:rPr lang="en-IN" sz="1400" b="0" i="0" dirty="0">
+                <a:solidFill>
+                  <a:srgbClr val="24292E"/>
+                </a:solidFill>
+                <a:effectLst/>
+                <a:latin typeface="IBM Plex Mono"/>
+              </a:rPr>
+              <a:t>}]</a:t>
+            </a:r>
+          </a:p>
+          <a:p>
+            <a:pPr lvl="1"/>
+            <a:r>
+              <a:rPr lang="en-IN" sz="1400" b="0" i="0" dirty="0">
+                <a:solidFill>
+                  <a:srgbClr val="24292E"/>
+                </a:solidFill>
+                <a:effectLst/>
+                <a:latin typeface="IBM Plex Mono"/>
+              </a:rPr>
+              <a:t>],}</a:t>
+            </a:r>
+            <a:endParaRPr lang="en-US" sz="1400" dirty="0">
+              <a:solidFill>
+                <a:srgbClr val="1C1E21"/>
+              </a:solidFill>
+              <a:latin typeface="IBM Plex Sans"/>
+            </a:endParaRPr>
+          </a:p>
+          <a:p>
+            <a:pPr marL="457200" indent="-457200">
               <a:buAutoNum type="arabicPeriod"/>
             </a:pPr>
             <a:r>
-              <a:rPr lang="en-IN" sz="2000" dirty="0">
-                <a:solidFill>
-                  <a:srgbClr val="1C1E21"/>
-                </a:solidFill>
-                <a:latin typeface="IBM Plex Sans"/>
-              </a:rPr>
-              <a:t>Observe the test automation in real-time across Chrome and Firefox browsers and view the test results in the terminal window.</a:t>
-            </a:r>
-          </a:p>
-          <a:p>
-            <a:pPr indent="-342900">
-              <a:lnSpc>
-                <a:spcPct val="107000"/>
-              </a:lnSpc>
-              <a:spcBef>
-                <a:spcPts val="375"/>
-              </a:spcBef>
-              <a:spcAft>
-                <a:spcPts val="1125"/>
-              </a:spcAft>
-              <a:buFont typeface="+mj-lt"/>
+              <a:rPr lang="en-US" sz="2000" dirty="0">
+                <a:solidFill>
+                  <a:srgbClr val="1C1E21"/>
+                </a:solidFill>
+                <a:latin typeface="IBM Plex Sans"/>
+              </a:rPr>
+              <a:t>A</a:t>
+            </a:r>
+            <a:r>
+              <a:rPr lang="en-US" sz="2000" b="0" i="0" dirty="0">
+                <a:solidFill>
+                  <a:srgbClr val="1C1E21"/>
+                </a:solidFill>
+                <a:effectLst/>
+                <a:latin typeface="IBM Plex Sans"/>
+              </a:rPr>
+              <a:t>dd a post-build action called </a:t>
+            </a:r>
+            <a:r>
+              <a:rPr lang="en-US" sz="2000" b="0" i="1" dirty="0">
+                <a:solidFill>
+                  <a:srgbClr val="1C1E21"/>
+                </a:solidFill>
+                <a:effectLst/>
+                <a:latin typeface="IBM Plex Sans"/>
+              </a:rPr>
+              <a:t>"Publish JUnit test result report“</a:t>
+            </a:r>
+            <a:r>
+              <a:rPr lang="en-US" sz="2000" dirty="0">
+                <a:solidFill>
+                  <a:srgbClr val="1C1E21"/>
+                </a:solidFill>
+                <a:latin typeface="IBM Plex Sans"/>
+              </a:rPr>
+              <a:t> to track your Junit report</a:t>
+            </a:r>
+          </a:p>
+          <a:p>
+            <a:pPr lvl="1"/>
+            <a:endParaRPr lang="en-IN" sz="1400" b="0" i="0" dirty="0">
+              <a:solidFill>
+                <a:srgbClr val="24292E"/>
+              </a:solidFill>
+              <a:effectLst/>
+              <a:latin typeface="IBM Plex Mono"/>
+            </a:endParaRPr>
+          </a:p>
+          <a:p>
+            <a:pPr marL="457200" indent="-457200">
               <a:buAutoNum type="arabicPeriod"/>
             </a:pPr>
-            <a:r>
-              <a:rPr lang="en-IN" sz="2000" dirty="0">
-                <a:solidFill>
-                  <a:srgbClr val="1C1E21"/>
-                </a:solidFill>
-                <a:latin typeface="IBM Plex Sans"/>
-              </a:rPr>
-              <a:t>Observe the 'allure-results' folder created inside reports. This folder contains all the files associated with the test results.</a:t>
-            </a:r>
-          </a:p>
-          <a:p>
-            <a:pPr indent="-342900">
-              <a:lnSpc>
-                <a:spcPct val="107000"/>
-              </a:lnSpc>
-              <a:spcBef>
-                <a:spcPts val="375"/>
-              </a:spcBef>
-              <a:spcAft>
-                <a:spcPts val="1125"/>
-              </a:spcAft>
-              <a:buFont typeface="+mj-lt"/>
-              <a:buAutoNum type="arabicPeriod"/>
-            </a:pPr>
-            <a:r>
-              <a:rPr lang="en-IN" sz="2000" dirty="0">
-                <a:solidFill>
-                  <a:srgbClr val="1C1E21"/>
-                </a:solidFill>
-                <a:latin typeface="IBM Plex Sans"/>
-              </a:rPr>
-              <a:t>Observe the 'screenshots' folder with the page screenshots for the failure scenario steps.</a:t>
-            </a:r>
-          </a:p>
-          <a:p>
-            <a:pPr indent="-342900">
-              <a:lnSpc>
-                <a:spcPct val="107000"/>
-              </a:lnSpc>
-              <a:spcBef>
-                <a:spcPts val="375"/>
-              </a:spcBef>
-              <a:spcAft>
-                <a:spcPts val="1125"/>
-              </a:spcAft>
-              <a:buFont typeface="+mj-lt"/>
-              <a:buAutoNum type="arabicPeriod"/>
-            </a:pPr>
-            <a:r>
-              <a:rPr lang="en-IN" sz="2000" dirty="0">
-                <a:solidFill>
-                  <a:srgbClr val="1C1E21"/>
-                </a:solidFill>
-                <a:latin typeface="IBM Plex Sans"/>
-              </a:rPr>
-              <a:t>To generate the allure report, execute the command: </a:t>
-            </a:r>
-            <a:r>
-              <a:rPr lang="en-IN" sz="2000" b="1" dirty="0">
-                <a:solidFill>
-                  <a:srgbClr val="1C1E21"/>
-                </a:solidFill>
-                <a:latin typeface="IBM Plex Sans"/>
-              </a:rPr>
-              <a:t>allure generate reports/allure-results/</a:t>
-            </a:r>
-            <a:r>
-              <a:rPr lang="en-IN" sz="2000" dirty="0">
-                <a:solidFill>
-                  <a:srgbClr val="1C1E21"/>
-                </a:solidFill>
-                <a:latin typeface="IBM Plex Sans"/>
-              </a:rPr>
-              <a:t>.</a:t>
-            </a:r>
-          </a:p>
-          <a:p>
-            <a:pPr indent="-342900">
-              <a:lnSpc>
-                <a:spcPct val="107000"/>
-              </a:lnSpc>
-              <a:spcBef>
-                <a:spcPts val="375"/>
-              </a:spcBef>
-              <a:spcAft>
-                <a:spcPts val="1125"/>
-              </a:spcAft>
-              <a:buFont typeface="+mj-lt"/>
-              <a:buAutoNum type="arabicPeriod"/>
-            </a:pPr>
-            <a:r>
-              <a:rPr lang="en-IN" sz="2000" dirty="0">
-                <a:solidFill>
-                  <a:srgbClr val="1C1E21"/>
-                </a:solidFill>
-                <a:latin typeface="IBM Plex Sans"/>
-              </a:rPr>
-              <a:t>Observe the 'allure-report' folder created inside the project. This folder contains the allure report and associated files.</a:t>
-            </a:r>
-          </a:p>
-          <a:p>
-            <a:pPr indent="-342900">
-              <a:lnSpc>
-                <a:spcPct val="107000"/>
-              </a:lnSpc>
-              <a:spcBef>
-                <a:spcPts val="375"/>
-              </a:spcBef>
-              <a:spcAft>
-                <a:spcPts val="1125"/>
-              </a:spcAft>
-              <a:buFont typeface="+mj-lt"/>
-              <a:buAutoNum type="arabicPeriod"/>
-            </a:pPr>
-            <a:r>
-              <a:rPr lang="en-IN" sz="2000" dirty="0">
-                <a:solidFill>
-                  <a:srgbClr val="1C1E21"/>
-                </a:solidFill>
-                <a:latin typeface="IBM Plex Sans"/>
-              </a:rPr>
-              <a:t>Execute the command: </a:t>
-            </a:r>
-            <a:r>
-              <a:rPr lang="en-IN" sz="2000" b="1" dirty="0">
-                <a:solidFill>
-                  <a:srgbClr val="1C1E21"/>
-                </a:solidFill>
-                <a:latin typeface="IBM Plex Sans"/>
-              </a:rPr>
-              <a:t>allure open</a:t>
-            </a:r>
-            <a:r>
-              <a:rPr lang="en-IN" sz="2000" dirty="0">
-                <a:solidFill>
-                  <a:srgbClr val="1C1E21"/>
-                </a:solidFill>
-                <a:latin typeface="IBM Plex Sans"/>
-              </a:rPr>
-              <a:t> to view the allure report in a browser.</a:t>
-            </a:r>
+            <a:endParaRPr lang="en-US" sz="2000" dirty="0">
+              <a:solidFill>
+                <a:srgbClr val="1C1E21"/>
+              </a:solidFill>
+              <a:latin typeface="IBM Plex Sans"/>
+            </a:endParaRPr>
+          </a:p>
+          <a:p>
+            <a:endParaRPr lang="en-IN" sz="2000" dirty="0">
+              <a:solidFill>
+                <a:srgbClr val="1C1E21"/>
+              </a:solidFill>
+              <a:latin typeface="IBM Plex Sans"/>
+            </a:endParaRPr>
           </a:p>
         </p:txBody>
       </p:sp>
     </p:spTree>
     <p:extLst>
       <p:ext uri="{BB962C8B-B14F-4D97-AF65-F5344CB8AC3E}">
-        <p14:creationId xmlns:p14="http://schemas.microsoft.com/office/powerpoint/2010/main" val="2448431617"/>
+        <p14:creationId xmlns:p14="http://schemas.microsoft.com/office/powerpoint/2010/main" val="4163749789"/>
       </p:ext>
     </p:extLst>
   </p:cSld>
@@ -19667,6 +19791,342 @@
           <p:cNvPr id="2" name="Title 1">
             <a:extLst>
               <a:ext uri="{FF2B5EF4-FFF2-40B4-BE49-F238E27FC236}">
+                <a16:creationId xmlns:a16="http://schemas.microsoft.com/office/drawing/2014/main" id="{5703B1AE-0C23-4E64-8EA4-D1EB7AC74184}"/>
+              </a:ext>
+            </a:extLst>
+          </p:cNvPr>
+          <p:cNvSpPr>
+            <a:spLocks noGrp="1"/>
+          </p:cNvSpPr>
+          <p:nvPr>
+            <p:ph type="title"/>
+          </p:nvPr>
+        </p:nvSpPr>
+        <p:spPr/>
+        <p:txBody>
+          <a:bodyPr/>
+          <a:lstStyle/>
+          <a:p>
+            <a:r>
+              <a:rPr lang="en-IN" dirty="0"/>
+              <a:t>Execute Your First Program</a:t>
+            </a:r>
+          </a:p>
+        </p:txBody>
+      </p:sp>
+      <p:sp>
+        <p:nvSpPr>
+          <p:cNvPr id="3" name="TextBox 2">
+            <a:extLst>
+              <a:ext uri="{FF2B5EF4-FFF2-40B4-BE49-F238E27FC236}">
+                <a16:creationId xmlns:a16="http://schemas.microsoft.com/office/drawing/2014/main" id="{11A06A6F-D366-4227-9879-698B7966A8ED}"/>
+              </a:ext>
+            </a:extLst>
+          </p:cNvPr>
+          <p:cNvSpPr txBox="1"/>
+          <p:nvPr/>
+        </p:nvSpPr>
+        <p:spPr>
+          <a:xfrm>
+            <a:off x="1275080" y="1361440"/>
+            <a:ext cx="9641840" cy="5183727"/>
+          </a:xfrm>
+          <a:prstGeom prst="rect">
+            <a:avLst/>
+          </a:prstGeom>
+          <a:noFill/>
+        </p:spPr>
+        <p:txBody>
+          <a:bodyPr wrap="square" rtlCol="0">
+            <a:spAutoFit/>
+          </a:bodyPr>
+          <a:lstStyle/>
+          <a:p>
+            <a:pPr indent="-342900">
+              <a:lnSpc>
+                <a:spcPct val="107000"/>
+              </a:lnSpc>
+              <a:spcBef>
+                <a:spcPts val="375"/>
+              </a:spcBef>
+              <a:spcAft>
+                <a:spcPts val="1125"/>
+              </a:spcAft>
+              <a:buFont typeface="+mj-lt"/>
+              <a:buAutoNum type="arabicPeriod"/>
+            </a:pPr>
+            <a:r>
+              <a:rPr lang="en-IN" sz="2000" dirty="0">
+                <a:solidFill>
+                  <a:srgbClr val="1C1E21"/>
+                </a:solidFill>
+                <a:latin typeface="IBM Plex Sans"/>
+              </a:rPr>
+              <a:t>Execute the command: </a:t>
+            </a:r>
+            <a:r>
+              <a:rPr lang="en-IN" sz="2000" b="1" dirty="0" err="1">
+                <a:solidFill>
+                  <a:srgbClr val="1C1E21"/>
+                </a:solidFill>
+                <a:latin typeface="IBM Plex Sans"/>
+              </a:rPr>
+              <a:t>npx</a:t>
+            </a:r>
+            <a:r>
+              <a:rPr lang="en-IN" sz="2000" b="1" dirty="0">
+                <a:solidFill>
+                  <a:srgbClr val="1C1E21"/>
+                </a:solidFill>
+                <a:latin typeface="IBM Plex Sans"/>
+              </a:rPr>
+              <a:t> </a:t>
+            </a:r>
+            <a:r>
+              <a:rPr lang="en-IN" sz="2000" b="1" dirty="0" err="1">
+                <a:solidFill>
+                  <a:srgbClr val="1C1E21"/>
+                </a:solidFill>
+                <a:latin typeface="IBM Plex Sans"/>
+              </a:rPr>
+              <a:t>wdio</a:t>
+            </a:r>
+            <a:r>
+              <a:rPr lang="en-IN" sz="2000" b="1" dirty="0">
+                <a:solidFill>
+                  <a:srgbClr val="1C1E21"/>
+                </a:solidFill>
+                <a:latin typeface="IBM Plex Sans"/>
+              </a:rPr>
+              <a:t> run ./wdio.conf.js</a:t>
+            </a:r>
+            <a:r>
+              <a:rPr lang="en-IN" sz="2000" dirty="0">
+                <a:solidFill>
+                  <a:srgbClr val="1C1E21"/>
+                </a:solidFill>
+                <a:latin typeface="IBM Plex Sans"/>
+              </a:rPr>
+              <a:t> to run the project.</a:t>
+            </a:r>
+          </a:p>
+          <a:p>
+            <a:pPr indent="-342900">
+              <a:lnSpc>
+                <a:spcPct val="107000"/>
+              </a:lnSpc>
+              <a:spcBef>
+                <a:spcPts val="375"/>
+              </a:spcBef>
+              <a:spcAft>
+                <a:spcPts val="1125"/>
+              </a:spcAft>
+              <a:buFont typeface="+mj-lt"/>
+              <a:buAutoNum type="arabicPeriod"/>
+            </a:pPr>
+            <a:r>
+              <a:rPr lang="en-IN" sz="2000" dirty="0">
+                <a:solidFill>
+                  <a:srgbClr val="1C1E21"/>
+                </a:solidFill>
+                <a:latin typeface="IBM Plex Sans"/>
+              </a:rPr>
+              <a:t>Observe the test automation in real-time across Chrome and Firefox browsers and view the test results in the terminal window.</a:t>
+            </a:r>
+          </a:p>
+          <a:p>
+            <a:pPr indent="-342900">
+              <a:lnSpc>
+                <a:spcPct val="107000"/>
+              </a:lnSpc>
+              <a:spcBef>
+                <a:spcPts val="375"/>
+              </a:spcBef>
+              <a:spcAft>
+                <a:spcPts val="1125"/>
+              </a:spcAft>
+              <a:buFont typeface="+mj-lt"/>
+              <a:buAutoNum type="arabicPeriod"/>
+            </a:pPr>
+            <a:r>
+              <a:rPr lang="en-IN" sz="2000" dirty="0">
+                <a:solidFill>
+                  <a:srgbClr val="1C1E21"/>
+                </a:solidFill>
+                <a:latin typeface="IBM Plex Sans"/>
+              </a:rPr>
+              <a:t>Observe the 'allure-results' folder created inside reports. This folder contains all the files associated with the test results.</a:t>
+            </a:r>
+          </a:p>
+          <a:p>
+            <a:pPr indent="-342900">
+              <a:lnSpc>
+                <a:spcPct val="107000"/>
+              </a:lnSpc>
+              <a:spcBef>
+                <a:spcPts val="375"/>
+              </a:spcBef>
+              <a:spcAft>
+                <a:spcPts val="1125"/>
+              </a:spcAft>
+              <a:buFont typeface="+mj-lt"/>
+              <a:buAutoNum type="arabicPeriod"/>
+            </a:pPr>
+            <a:r>
+              <a:rPr lang="en-IN" sz="2000" dirty="0">
+                <a:solidFill>
+                  <a:srgbClr val="1C1E21"/>
+                </a:solidFill>
+                <a:latin typeface="IBM Plex Sans"/>
+              </a:rPr>
+              <a:t>Observe the 'screenshots' folder with the page screenshots for the failure scenario steps.</a:t>
+            </a:r>
+          </a:p>
+          <a:p>
+            <a:pPr indent="-342900">
+              <a:lnSpc>
+                <a:spcPct val="107000"/>
+              </a:lnSpc>
+              <a:spcBef>
+                <a:spcPts val="375"/>
+              </a:spcBef>
+              <a:spcAft>
+                <a:spcPts val="1125"/>
+              </a:spcAft>
+              <a:buFont typeface="+mj-lt"/>
+              <a:buAutoNum type="arabicPeriod"/>
+            </a:pPr>
+            <a:r>
+              <a:rPr lang="en-IN" sz="2000" dirty="0">
+                <a:solidFill>
+                  <a:srgbClr val="1C1E21"/>
+                </a:solidFill>
+                <a:latin typeface="IBM Plex Sans"/>
+              </a:rPr>
+              <a:t>To generate the allure report, execute the command: </a:t>
+            </a:r>
+            <a:r>
+              <a:rPr lang="en-IN" sz="2000" b="1" dirty="0">
+                <a:solidFill>
+                  <a:srgbClr val="1C1E21"/>
+                </a:solidFill>
+                <a:latin typeface="IBM Plex Sans"/>
+              </a:rPr>
+              <a:t>allure generate reports/allure-results/</a:t>
+            </a:r>
+            <a:r>
+              <a:rPr lang="en-IN" sz="2000" dirty="0">
+                <a:solidFill>
+                  <a:srgbClr val="1C1E21"/>
+                </a:solidFill>
+                <a:latin typeface="IBM Plex Sans"/>
+              </a:rPr>
+              <a:t>.</a:t>
+            </a:r>
+          </a:p>
+          <a:p>
+            <a:pPr indent="-342900">
+              <a:lnSpc>
+                <a:spcPct val="107000"/>
+              </a:lnSpc>
+              <a:spcBef>
+                <a:spcPts val="375"/>
+              </a:spcBef>
+              <a:spcAft>
+                <a:spcPts val="1125"/>
+              </a:spcAft>
+              <a:buFont typeface="+mj-lt"/>
+              <a:buAutoNum type="arabicPeriod"/>
+            </a:pPr>
+            <a:r>
+              <a:rPr lang="en-IN" sz="2000" dirty="0">
+                <a:solidFill>
+                  <a:srgbClr val="1C1E21"/>
+                </a:solidFill>
+                <a:latin typeface="IBM Plex Sans"/>
+              </a:rPr>
+              <a:t>Observe the 'allure-report' folder created inside the project. This folder contains the allure report and associated files.</a:t>
+            </a:r>
+          </a:p>
+          <a:p>
+            <a:pPr indent="-342900">
+              <a:lnSpc>
+                <a:spcPct val="107000"/>
+              </a:lnSpc>
+              <a:spcBef>
+                <a:spcPts val="375"/>
+              </a:spcBef>
+              <a:spcAft>
+                <a:spcPts val="1125"/>
+              </a:spcAft>
+              <a:buFont typeface="+mj-lt"/>
+              <a:buAutoNum type="arabicPeriod"/>
+            </a:pPr>
+            <a:r>
+              <a:rPr lang="en-IN" sz="2000" dirty="0">
+                <a:solidFill>
+                  <a:srgbClr val="1C1E21"/>
+                </a:solidFill>
+                <a:latin typeface="IBM Plex Sans"/>
+              </a:rPr>
+              <a:t>Execute the command: </a:t>
+            </a:r>
+            <a:r>
+              <a:rPr lang="en-IN" sz="2000" b="1" dirty="0">
+                <a:solidFill>
+                  <a:srgbClr val="1C1E21"/>
+                </a:solidFill>
+                <a:latin typeface="IBM Plex Sans"/>
+              </a:rPr>
+              <a:t>allure open</a:t>
+            </a:r>
+            <a:r>
+              <a:rPr lang="en-IN" sz="2000" dirty="0">
+                <a:solidFill>
+                  <a:srgbClr val="1C1E21"/>
+                </a:solidFill>
+                <a:latin typeface="IBM Plex Sans"/>
+              </a:rPr>
+              <a:t> to view the allure report in a browser.</a:t>
+            </a:r>
+          </a:p>
+        </p:txBody>
+      </p:sp>
+    </p:spTree>
+    <p:extLst>
+      <p:ext uri="{BB962C8B-B14F-4D97-AF65-F5344CB8AC3E}">
+        <p14:creationId xmlns:p14="http://schemas.microsoft.com/office/powerpoint/2010/main" val="2448431617"/>
+      </p:ext>
+    </p:extLst>
+  </p:cSld>
+  <p:clrMapOvr>
+    <a:masterClrMapping/>
+  </p:clrMapOvr>
+</p:sld>
+</file>
+
+<file path=ppt/slides/slide31.xml><?xml version="1.0" encoding="utf-8"?>
+<p:sld xmlns:a="http://schemas.openxmlformats.org/drawingml/2006/main" xmlns:r="http://schemas.openxmlformats.org/officeDocument/2006/relationships" xmlns:p="http://schemas.openxmlformats.org/presentationml/2006/main">
+  <p:cSld>
+    <p:spTree>
+      <p:nvGrpSpPr>
+        <p:cNvPr id="1" name=""/>
+        <p:cNvGrpSpPr/>
+        <p:nvPr/>
+      </p:nvGrpSpPr>
+      <p:grpSpPr>
+        <a:xfrm>
+          <a:off x="0" y="0"/>
+          <a:ext cx="0" cy="0"/>
+          <a:chOff x="0" y="0"/>
+          <a:chExt cx="0" cy="0"/>
+        </a:xfrm>
+      </p:grpSpPr>
+      <p:sp>
+        <p:nvSpPr>
+          <p:cNvPr id="2" name="Title 1">
+            <a:extLst>
+              <a:ext uri="{FF2B5EF4-FFF2-40B4-BE49-F238E27FC236}">
                 <a16:creationId xmlns:a16="http://schemas.microsoft.com/office/drawing/2014/main" id="{17FDEDEE-2523-4BAF-85E7-B665CB79B714}"/>
               </a:ext>
             </a:extLst>
@@ -19744,6 +20204,17 @@
                 </a:solidFill>
                 <a:latin typeface="Calibri" panose="020F0502020204030204" pitchFamily="34" charset="0"/>
               </a:rPr>
+              <a:t>Protractor Framework Setup</a:t>
+            </a:r>
+          </a:p>
+          <a:p>
+            <a:r>
+              <a:rPr lang="en-IN" sz="2400" dirty="0">
+                <a:solidFill>
+                  <a:srgbClr val="000000"/>
+                </a:solidFill>
+                <a:latin typeface="Calibri" panose="020F0502020204030204" pitchFamily="34" charset="0"/>
+              </a:rPr>
               <a:t>Protractor to WebdriverIO</a:t>
             </a:r>
             <a:endParaRPr lang="en-IN" sz="2400" b="0" i="0" dirty="0">
@@ -19769,7 +20240,7 @@
 </p:sld>
 </file>
 
-<file path=ppt/slides/slide31.xml><?xml version="1.0" encoding="utf-8"?>
+<file path=ppt/slides/slide32.xml><?xml version="1.0" encoding="utf-8"?>
 <p:sld xmlns:a="http://schemas.openxmlformats.org/drawingml/2006/main" xmlns:r="http://schemas.openxmlformats.org/officeDocument/2006/relationships" xmlns:p="http://schemas.openxmlformats.org/presentationml/2006/main">
   <p:cSld>
     <p:spTree>
@@ -19814,7 +20285,7 @@
           <a:p>
             <a:r>
               <a:rPr lang="en-IN" dirty="0"/>
-              <a:t>Protractor To WebdriverIO</a:t>
+              <a:t>Protractor Framework Setup</a:t>
             </a:r>
           </a:p>
         </p:txBody>
@@ -19834,7 +20305,7 @@
         <p:spPr>
           <a:xfrm>
             <a:off x="1148080" y="1483360"/>
-            <a:ext cx="9641840" cy="2088842"/>
+            <a:ext cx="9641840" cy="4027834"/>
           </a:xfrm>
           <a:prstGeom prst="rect">
             <a:avLst/>
@@ -19857,7 +20328,74 @@
                 </a:solidFill>
                 <a:latin typeface="IBM Plex Sans"/>
               </a:rPr>
-              <a:t>The Protractor and WebdriverIO API is actually very similar, to a point where the majority of commands can be rewritten in an </a:t>
+              <a:t>Download the sample Protractor project from below link if required</a:t>
+            </a:r>
+          </a:p>
+          <a:p>
+            <a:r>
+              <a:rPr lang="en-US" b="1" dirty="0">
+                <a:solidFill>
+                  <a:srgbClr val="1C1E21"/>
+                </a:solidFill>
+                <a:latin typeface="IBM Plex Sans"/>
+                <a:hlinkClick r:id="rId2"/>
+              </a:rPr>
+              <a:t>https://github.com/AutomationTestFramework/Protractor</a:t>
+            </a:r>
+            <a:r>
+              <a:rPr lang="en-US" b="1" dirty="0">
+                <a:solidFill>
+                  <a:srgbClr val="1C1E21"/>
+                </a:solidFill>
+                <a:latin typeface="IBM Plex Sans"/>
+              </a:rPr>
+              <a:t> </a:t>
+            </a:r>
+          </a:p>
+          <a:p>
+            <a:endParaRPr lang="en-US" b="1" dirty="0">
+              <a:solidFill>
+                <a:srgbClr val="1C1E21"/>
+              </a:solidFill>
+              <a:latin typeface="IBM Plex Sans"/>
+            </a:endParaRPr>
+          </a:p>
+          <a:p>
+            <a:r>
+              <a:rPr lang="en-US" dirty="0">
+                <a:solidFill>
+                  <a:srgbClr val="1C1E21"/>
+                </a:solidFill>
+                <a:latin typeface="IBM Plex Sans"/>
+              </a:rPr>
+              <a:t>2. Execute </a:t>
+            </a:r>
+            <a:r>
+              <a:rPr lang="en-US" b="1" dirty="0" err="1">
+                <a:solidFill>
+                  <a:srgbClr val="1C1E21"/>
+                </a:solidFill>
+                <a:latin typeface="IBM Plex Sans"/>
+              </a:rPr>
+              <a:t>npm</a:t>
+            </a:r>
+            <a:r>
+              <a:rPr lang="en-US" b="1" dirty="0">
+                <a:solidFill>
+                  <a:srgbClr val="1C1E21"/>
+                </a:solidFill>
+                <a:latin typeface="IBM Plex Sans"/>
+              </a:rPr>
+              <a:t> install</a:t>
+            </a:r>
+            <a:r>
+              <a:rPr lang="en-US" dirty="0">
+                <a:solidFill>
+                  <a:srgbClr val="1C1E21"/>
+                </a:solidFill>
+                <a:latin typeface="IBM Plex Sans"/>
+              </a:rPr>
+              <a:t> to install all the packages from </a:t>
             </a:r>
             <a:r>
               <a:rPr lang="en-US" dirty="0" err="1">
@@ -19866,47 +20404,8 @@
                 </a:solidFill>
                 <a:latin typeface="IBM Plex Sans"/>
               </a:rPr>
-              <a:t>automted</a:t>
-            </a:r>
-            <a:r>
-              <a:rPr lang="en-US" dirty="0">
-                <a:solidFill>
-                  <a:srgbClr val="1C1E21"/>
-                </a:solidFill>
-                <a:latin typeface="IBM Plex Sans"/>
-              </a:rPr>
-              <a:t> way through a </a:t>
-            </a:r>
-            <a:r>
-              <a:rPr lang="en-US" dirty="0" err="1">
-                <a:solidFill>
-                  <a:srgbClr val="1C1E21"/>
-                </a:solidFill>
-                <a:latin typeface="IBM Plex Sans"/>
-                <a:hlinkClick r:id="rId2">
-                  <a:extLst>
-                    <a:ext uri="{A12FA001-AC4F-418D-AE19-62706E023703}">
-                      <ahyp:hlinkClr xmlns:ahyp="http://schemas.microsoft.com/office/drawing/2018/hyperlinkcolor" val="tx"/>
-                    </a:ext>
-                  </a:extLst>
-                </a:hlinkClick>
-              </a:rPr>
-              <a:t>codemod</a:t>
-            </a:r>
-            <a:r>
-              <a:rPr lang="en-US" dirty="0">
-                <a:solidFill>
-                  <a:srgbClr val="1C1E21"/>
-                </a:solidFill>
-                <a:latin typeface="IBM Plex Sans"/>
-              </a:rPr>
-              <a:t>. </a:t>
-            </a:r>
-          </a:p>
-          <a:p>
-            <a:pPr marL="342900" indent="-342900">
-              <a:buAutoNum type="arabicPeriod"/>
-            </a:pPr>
+              <a:t>package.json</a:t>
+            </a:r>
             <a:endParaRPr lang="en-US" dirty="0">
               <a:solidFill>
                 <a:srgbClr val="1C1E21"/>
@@ -19915,9 +20414,6 @@
             </a:endParaRPr>
           </a:p>
           <a:p>
-            <a:pPr marL="342900" indent="-342900">
-              <a:buAutoNum type="arabicPeriod"/>
-            </a:pPr>
             <a:r>
               <a:rPr lang="en-US" dirty="0">
                 <a:solidFill>
@@ -19925,7 +20421,18 @@
                 </a:solidFill>
                 <a:latin typeface="IBM Plex Sans"/>
               </a:rPr>
-              <a:t>To install the </a:t>
+              <a:t>3. Execute below commands </a:t>
+            </a:r>
+          </a:p>
+          <a:p>
+            <a:r>
+              <a:rPr lang="en-US" dirty="0">
+                <a:solidFill>
+                  <a:srgbClr val="1C1E21"/>
+                </a:solidFill>
+                <a:latin typeface="IBM Plex Sans"/>
+              </a:rPr>
+              <a:t>	</a:t>
             </a:r>
             <a:r>
               <a:rPr lang="en-US" dirty="0" err="1">
@@ -19934,7 +20441,7 @@
                 </a:solidFill>
                 <a:latin typeface="IBM Plex Sans"/>
               </a:rPr>
-              <a:t>codemod</a:t>
+              <a:t>webdriver</a:t>
             </a:r>
             <a:r>
               <a:rPr lang="en-US" dirty="0">
@@ -19943,7 +20450,7 @@
                 </a:solidFill>
                 <a:latin typeface="IBM Plex Sans"/>
               </a:rPr>
-              <a:t>, run:</a:t>
+              <a:t>-manager update</a:t>
             </a:r>
           </a:p>
           <a:p>
@@ -19954,10 +20461,68 @@
                 </a:solidFill>
                 <a:latin typeface="IBM Plex Sans"/>
               </a:rPr>
-              <a:t>	</a:t>
-            </a:r>
-            <a:r>
-              <a:rPr lang="en-US" b="1" dirty="0" err="1">
+              <a:t>	OR</a:t>
+            </a:r>
+          </a:p>
+          <a:p>
+            <a:r>
+              <a:rPr lang="en-US" i="1" dirty="0">
+                <a:solidFill>
+                  <a:srgbClr val="1C1E21"/>
+                </a:solidFill>
+                <a:latin typeface="IBM Plex Sans"/>
+              </a:rPr>
+              <a:t>	node </a:t>
+            </a:r>
+            <a:r>
+              <a:rPr lang="en-US" i="1" dirty="0" err="1">
+                <a:solidFill>
+                  <a:srgbClr val="1C1E21"/>
+                </a:solidFill>
+                <a:latin typeface="IBM Plex Sans"/>
+              </a:rPr>
+              <a:t>node_modules</a:t>
+            </a:r>
+            <a:r>
+              <a:rPr lang="en-US" i="1" dirty="0">
+                <a:solidFill>
+                  <a:srgbClr val="1C1E21"/>
+                </a:solidFill>
+                <a:latin typeface="IBM Plex Sans"/>
+              </a:rPr>
+              <a:t>/protractor/bin/</a:t>
+            </a:r>
+            <a:r>
+              <a:rPr lang="en-US" i="1" dirty="0" err="1">
+                <a:solidFill>
+                  <a:srgbClr val="1C1E21"/>
+                </a:solidFill>
+                <a:latin typeface="IBM Plex Sans"/>
+              </a:rPr>
+              <a:t>webdriver</a:t>
+            </a:r>
+            <a:r>
+              <a:rPr lang="en-US" i="1" dirty="0">
+                <a:solidFill>
+                  <a:srgbClr val="1C1E21"/>
+                </a:solidFill>
+                <a:latin typeface="IBM Plex Sans"/>
+              </a:rPr>
+              <a:t>-manager update</a:t>
+            </a:r>
+          </a:p>
+          <a:p>
+            <a:r>
+              <a:rPr lang="en-US" dirty="0">
+                <a:solidFill>
+                  <a:srgbClr val="1C1E21"/>
+                </a:solidFill>
+                <a:latin typeface="IBM Plex Sans"/>
+              </a:rPr>
+              <a:t>4. Execute </a:t>
+            </a:r>
+            <a:r>
+              <a:rPr lang="en-US" dirty="0" err="1">
                 <a:solidFill>
                   <a:srgbClr val="1C1E21"/>
                 </a:solidFill>
@@ -19966,31 +20531,32 @@
               <a:t>npm</a:t>
             </a:r>
             <a:r>
-              <a:rPr lang="en-US" b="1" dirty="0">
-                <a:solidFill>
-                  <a:srgbClr val="1C1E21"/>
-                </a:solidFill>
-                <a:latin typeface="IBM Plex Sans"/>
-              </a:rPr>
-              <a:t> install </a:t>
-            </a:r>
-            <a:r>
-              <a:rPr lang="en-US" b="1" dirty="0" err="1">
-                <a:solidFill>
-                  <a:srgbClr val="1C1E21"/>
-                </a:solidFill>
-                <a:latin typeface="IBM Plex Sans"/>
-              </a:rPr>
-              <a:t>jscodeshift</a:t>
-            </a:r>
-            <a:r>
-              <a:rPr lang="en-US" b="1" dirty="0">
-                <a:solidFill>
-                  <a:srgbClr val="1C1E21"/>
-                </a:solidFill>
-                <a:latin typeface="IBM Plex Sans"/>
-              </a:rPr>
-              <a:t> @wdio/codemod</a:t>
+              <a:rPr lang="en-US" dirty="0">
+                <a:solidFill>
+                  <a:srgbClr val="1C1E21"/>
+                </a:solidFill>
+                <a:latin typeface="IBM Plex Sans"/>
+              </a:rPr>
+              <a:t> test to execute all the test cases from the project just downloaded</a:t>
+            </a:r>
+          </a:p>
+          <a:p>
+            <a:endParaRPr lang="en-US" i="1" dirty="0">
+              <a:solidFill>
+                <a:srgbClr val="1C1E21"/>
+              </a:solidFill>
+              <a:latin typeface="IBM Plex Sans"/>
+            </a:endParaRPr>
+          </a:p>
+          <a:p>
+            <a:r>
+              <a:rPr lang="en-US" i="1" dirty="0">
+                <a:solidFill>
+                  <a:srgbClr val="1C1E21"/>
+                </a:solidFill>
+                <a:latin typeface="IBM Plex Sans"/>
+              </a:rPr>
+              <a:t>At this point, sample Protractor framework is set up on your machine to migrate to WebdriverIO framework.</a:t>
             </a:r>
           </a:p>
           <a:p>
@@ -20026,6 +20592,876 @@
     <p:extLst>
       <p:ext uri="{BB962C8B-B14F-4D97-AF65-F5344CB8AC3E}">
         <p14:creationId xmlns:p14="http://schemas.microsoft.com/office/powerpoint/2010/main" val="1410100156"/>
+      </p:ext>
+    </p:extLst>
+  </p:cSld>
+  <p:clrMapOvr>
+    <a:masterClrMapping/>
+  </p:clrMapOvr>
+</p:sld>
+</file>
+
+<file path=ppt/slides/slide33.xml><?xml version="1.0" encoding="utf-8"?>
+<p:sld xmlns:a="http://schemas.openxmlformats.org/drawingml/2006/main" xmlns:r="http://schemas.openxmlformats.org/officeDocument/2006/relationships" xmlns:p="http://schemas.openxmlformats.org/presentationml/2006/main">
+  <p:cSld>
+    <p:spTree>
+      <p:nvGrpSpPr>
+        <p:cNvPr id="1" name=""/>
+        <p:cNvGrpSpPr/>
+        <p:nvPr/>
+      </p:nvGrpSpPr>
+      <p:grpSpPr>
+        <a:xfrm>
+          <a:off x="0" y="0"/>
+          <a:ext cx="0" cy="0"/>
+          <a:chOff x="0" y="0"/>
+          <a:chExt cx="0" cy="0"/>
+        </a:xfrm>
+      </p:grpSpPr>
+      <p:sp>
+        <p:nvSpPr>
+          <p:cNvPr id="2" name="Title 1">
+            <a:extLst>
+              <a:ext uri="{FF2B5EF4-FFF2-40B4-BE49-F238E27FC236}">
+                <a16:creationId xmlns:a16="http://schemas.microsoft.com/office/drawing/2014/main" id="{5703B1AE-0C23-4E64-8EA4-D1EB7AC74184}"/>
+              </a:ext>
+            </a:extLst>
+          </p:cNvPr>
+          <p:cNvSpPr>
+            <a:spLocks noGrp="1"/>
+          </p:cNvSpPr>
+          <p:nvPr>
+            <p:ph type="title"/>
+          </p:nvPr>
+        </p:nvSpPr>
+        <p:spPr>
+          <a:xfrm>
+            <a:off x="677334" y="579120"/>
+            <a:ext cx="8596668" cy="1320800"/>
+          </a:xfrm>
+        </p:spPr>
+        <p:txBody>
+          <a:bodyPr/>
+          <a:lstStyle/>
+          <a:p>
+            <a:r>
+              <a:rPr lang="en-IN" dirty="0"/>
+              <a:t>Protractor To WebdriverIO</a:t>
+            </a:r>
+          </a:p>
+        </p:txBody>
+      </p:sp>
+      <p:sp>
+        <p:nvSpPr>
+          <p:cNvPr id="3" name="TextBox 2">
+            <a:extLst>
+              <a:ext uri="{FF2B5EF4-FFF2-40B4-BE49-F238E27FC236}">
+                <a16:creationId xmlns:a16="http://schemas.microsoft.com/office/drawing/2014/main" id="{11A06A6F-D366-4227-9879-698B7966A8ED}"/>
+              </a:ext>
+            </a:extLst>
+          </p:cNvPr>
+          <p:cNvSpPr txBox="1"/>
+          <p:nvPr/>
+        </p:nvSpPr>
+        <p:spPr>
+          <a:xfrm>
+            <a:off x="1148080" y="1483360"/>
+            <a:ext cx="9641840" cy="5412828"/>
+          </a:xfrm>
+          <a:prstGeom prst="rect">
+            <a:avLst/>
+          </a:prstGeom>
+          <a:noFill/>
+        </p:spPr>
+        <p:txBody>
+          <a:bodyPr wrap="square" rtlCol="0">
+            <a:spAutoFit/>
+          </a:bodyPr>
+          <a:lstStyle/>
+          <a:p>
+            <a:r>
+              <a:rPr lang="en-US" dirty="0">
+                <a:solidFill>
+                  <a:srgbClr val="1C1E21"/>
+                </a:solidFill>
+                <a:latin typeface="IBM Plex Sans"/>
+              </a:rPr>
+              <a:t>Angular team has announced that Protractor will not longer be supported. </a:t>
+            </a:r>
+            <a:r>
+              <a:rPr lang="en-US" b="0" i="0" dirty="0">
+                <a:solidFill>
+                  <a:srgbClr val="1C1E21"/>
+                </a:solidFill>
+                <a:effectLst/>
+                <a:latin typeface="IBM Plex Sans"/>
+              </a:rPr>
+              <a:t>Protractor will continued to be maintained until Angular version 15 (end of 2022). </a:t>
+            </a:r>
+            <a:r>
+              <a:rPr lang="en-US" dirty="0">
+                <a:solidFill>
+                  <a:srgbClr val="1C1E21"/>
+                </a:solidFill>
+                <a:latin typeface="IBM Plex Sans"/>
+              </a:rPr>
+              <a:t>Blow is the process to migrate existing Protractor framework to WebdriverIO however this might need some customization as e</a:t>
+            </a:r>
+            <a:r>
+              <a:rPr lang="en-US" b="0" i="0" dirty="0">
+                <a:solidFill>
+                  <a:srgbClr val="1C1E21"/>
+                </a:solidFill>
+                <a:effectLst/>
+                <a:latin typeface="IBM Plex Sans"/>
+              </a:rPr>
+              <a:t>veryone has a different setup and uses Protractor in different ways</a:t>
+            </a:r>
+            <a:endParaRPr lang="en-US" dirty="0">
+              <a:solidFill>
+                <a:srgbClr val="1C1E21"/>
+              </a:solidFill>
+              <a:latin typeface="IBM Plex Sans"/>
+            </a:endParaRPr>
+          </a:p>
+          <a:p>
+            <a:pPr marL="342900" indent="-342900">
+              <a:buAutoNum type="arabicPeriod"/>
+            </a:pPr>
+            <a:endParaRPr lang="en-US" dirty="0">
+              <a:solidFill>
+                <a:srgbClr val="1C1E21"/>
+              </a:solidFill>
+              <a:latin typeface="IBM Plex Sans"/>
+            </a:endParaRPr>
+          </a:p>
+          <a:p>
+            <a:pPr marL="342900" indent="-342900">
+              <a:buAutoNum type="arabicPeriod"/>
+            </a:pPr>
+            <a:r>
+              <a:rPr lang="en-US" dirty="0">
+                <a:solidFill>
+                  <a:srgbClr val="1C1E21"/>
+                </a:solidFill>
+                <a:latin typeface="IBM Plex Sans"/>
+              </a:rPr>
+              <a:t>The Protractor and WebdriverIO API is actually very similar, to a point where the majority of commands can be rewritten in an automated way through a </a:t>
+            </a:r>
+            <a:r>
+              <a:rPr lang="en-US" dirty="0" err="1">
+                <a:solidFill>
+                  <a:srgbClr val="1C1E21"/>
+                </a:solidFill>
+                <a:latin typeface="IBM Plex Sans"/>
+                <a:hlinkClick r:id="rId2">
+                  <a:extLst>
+                    <a:ext uri="{A12FA001-AC4F-418D-AE19-62706E023703}">
+                      <ahyp:hlinkClr xmlns:ahyp="http://schemas.microsoft.com/office/drawing/2018/hyperlinkcolor" val="tx"/>
+                    </a:ext>
+                  </a:extLst>
+                </a:hlinkClick>
+              </a:rPr>
+              <a:t>codemod</a:t>
+            </a:r>
+            <a:r>
+              <a:rPr lang="en-US" dirty="0">
+                <a:solidFill>
+                  <a:srgbClr val="1C1E21"/>
+                </a:solidFill>
+                <a:latin typeface="IBM Plex Sans"/>
+              </a:rPr>
+              <a:t>. </a:t>
+            </a:r>
+          </a:p>
+          <a:p>
+            <a:pPr marL="342900" indent="-342900">
+              <a:buAutoNum type="arabicPeriod"/>
+            </a:pPr>
+            <a:endParaRPr lang="en-US" dirty="0">
+              <a:solidFill>
+                <a:srgbClr val="1C1E21"/>
+              </a:solidFill>
+              <a:latin typeface="IBM Plex Sans"/>
+            </a:endParaRPr>
+          </a:p>
+          <a:p>
+            <a:pPr marL="342900" indent="-342900">
+              <a:buAutoNum type="arabicPeriod"/>
+            </a:pPr>
+            <a:r>
+              <a:rPr lang="en-US" dirty="0">
+                <a:solidFill>
+                  <a:srgbClr val="1C1E21"/>
+                </a:solidFill>
+                <a:latin typeface="IBM Plex Sans"/>
+              </a:rPr>
+              <a:t>To install the </a:t>
+            </a:r>
+            <a:r>
+              <a:rPr lang="en-US" dirty="0" err="1">
+                <a:solidFill>
+                  <a:srgbClr val="1C1E21"/>
+                </a:solidFill>
+                <a:latin typeface="IBM Plex Sans"/>
+              </a:rPr>
+              <a:t>codemod</a:t>
+            </a:r>
+            <a:r>
+              <a:rPr lang="en-US" dirty="0">
+                <a:solidFill>
+                  <a:srgbClr val="1C1E21"/>
+                </a:solidFill>
+                <a:latin typeface="IBM Plex Sans"/>
+              </a:rPr>
+              <a:t>, run:</a:t>
+            </a:r>
+          </a:p>
+          <a:p>
+            <a:r>
+              <a:rPr lang="en-US" dirty="0">
+                <a:solidFill>
+                  <a:srgbClr val="1C1E21"/>
+                </a:solidFill>
+                <a:latin typeface="IBM Plex Sans"/>
+              </a:rPr>
+              <a:t>	</a:t>
+            </a:r>
+            <a:r>
+              <a:rPr lang="en-US" b="1" dirty="0" err="1">
+                <a:solidFill>
+                  <a:srgbClr val="1C1E21"/>
+                </a:solidFill>
+                <a:latin typeface="IBM Plex Sans"/>
+              </a:rPr>
+              <a:t>npm</a:t>
+            </a:r>
+            <a:r>
+              <a:rPr lang="en-US" b="1" dirty="0">
+                <a:solidFill>
+                  <a:srgbClr val="1C1E21"/>
+                </a:solidFill>
+                <a:latin typeface="IBM Plex Sans"/>
+              </a:rPr>
+              <a:t> install </a:t>
+            </a:r>
+            <a:r>
+              <a:rPr lang="en-US" b="1" dirty="0" err="1">
+                <a:solidFill>
+                  <a:srgbClr val="1C1E21"/>
+                </a:solidFill>
+                <a:latin typeface="IBM Plex Sans"/>
+              </a:rPr>
+              <a:t>jscodeshift</a:t>
+            </a:r>
+            <a:r>
+              <a:rPr lang="en-US" b="1" dirty="0">
+                <a:solidFill>
+                  <a:srgbClr val="1C1E21"/>
+                </a:solidFill>
+                <a:latin typeface="IBM Plex Sans"/>
+              </a:rPr>
+              <a:t> @wdio/codemod</a:t>
+            </a:r>
+          </a:p>
+          <a:p>
+            <a:endParaRPr lang="en-US" b="1" dirty="0">
+              <a:solidFill>
+                <a:srgbClr val="1C1E21"/>
+              </a:solidFill>
+              <a:latin typeface="IBM Plex Sans"/>
+            </a:endParaRPr>
+          </a:p>
+          <a:p>
+            <a:r>
+              <a:rPr lang="en-US" dirty="0">
+                <a:solidFill>
+                  <a:srgbClr val="1C1E21"/>
+                </a:solidFill>
+                <a:latin typeface="IBM Plex Sans"/>
+              </a:rPr>
+              <a:t>3. First migrate only conf.js file by executing below command</a:t>
+            </a:r>
+          </a:p>
+          <a:p>
+            <a:r>
+              <a:rPr lang="fr-FR" b="1" i="1" dirty="0">
+                <a:solidFill>
+                  <a:srgbClr val="1C1E21"/>
+                </a:solidFill>
+                <a:latin typeface="IBM Plex Sans"/>
+              </a:rPr>
+              <a:t>	</a:t>
+            </a:r>
+            <a:r>
+              <a:rPr lang="fr-FR" b="1" i="1" dirty="0" err="1">
+                <a:solidFill>
+                  <a:srgbClr val="1C1E21"/>
+                </a:solidFill>
+                <a:latin typeface="IBM Plex Sans"/>
+              </a:rPr>
+              <a:t>npx</a:t>
+            </a:r>
+            <a:r>
+              <a:rPr lang="fr-FR" b="1" i="1" dirty="0">
+                <a:solidFill>
+                  <a:srgbClr val="1C1E21"/>
+                </a:solidFill>
+                <a:latin typeface="IBM Plex Sans"/>
+              </a:rPr>
+              <a:t> </a:t>
+            </a:r>
+            <a:r>
+              <a:rPr lang="fr-FR" b="1" i="1" dirty="0" err="1">
+                <a:solidFill>
+                  <a:srgbClr val="1C1E21"/>
+                </a:solidFill>
+                <a:latin typeface="IBM Plex Sans"/>
+              </a:rPr>
+              <a:t>jscodeshift</a:t>
+            </a:r>
+            <a:r>
+              <a:rPr lang="fr-FR" b="1" i="1" dirty="0">
+                <a:solidFill>
+                  <a:srgbClr val="1C1E21"/>
+                </a:solidFill>
+                <a:latin typeface="IBM Plex Sans"/>
+              </a:rPr>
+              <a:t> -t </a:t>
+            </a:r>
+            <a:r>
+              <a:rPr lang="fr-FR" b="1" i="1" dirty="0">
+                <a:solidFill>
+                  <a:srgbClr val="1C1E21"/>
+                </a:solidFill>
+                <a:latin typeface="IBM Plex Sans"/>
+                <a:hlinkClick r:id="rId3"/>
+              </a:rPr>
+              <a:t>./</a:t>
+            </a:r>
+            <a:r>
+              <a:rPr lang="fr-FR" b="1" i="1" dirty="0" err="1">
+                <a:solidFill>
+                  <a:srgbClr val="1C1E21"/>
+                </a:solidFill>
+                <a:latin typeface="IBM Plex Sans"/>
+                <a:hlinkClick r:id="rId3"/>
+              </a:rPr>
+              <a:t>node_modules</a:t>
+            </a:r>
+            <a:r>
+              <a:rPr lang="fr-FR" b="1" i="1" dirty="0">
+                <a:solidFill>
+                  <a:srgbClr val="1C1E21"/>
+                </a:solidFill>
+                <a:latin typeface="IBM Plex Sans"/>
+                <a:hlinkClick r:id="rId3"/>
+              </a:rPr>
+              <a:t>/@wdio/codemod/protractor ./</a:t>
+            </a:r>
+            <a:r>
+              <a:rPr lang="fr-FR" b="1" i="1" dirty="0" err="1">
+                <a:solidFill>
+                  <a:srgbClr val="1C1E21"/>
+                </a:solidFill>
+                <a:latin typeface="IBM Plex Sans"/>
+                <a:hlinkClick r:id="rId3"/>
+              </a:rPr>
+              <a:t>conf.ts</a:t>
+            </a:r>
+            <a:r>
+              <a:rPr lang="fr-FR" b="1" i="1" dirty="0">
+                <a:solidFill>
+                  <a:srgbClr val="1C1E21"/>
+                </a:solidFill>
+                <a:latin typeface="IBM Plex Sans"/>
+              </a:rPr>
+              <a:t> </a:t>
+            </a:r>
+          </a:p>
+          <a:p>
+            <a:endParaRPr lang="fr-FR" b="1" i="1" dirty="0">
+              <a:solidFill>
+                <a:srgbClr val="1C1E21"/>
+              </a:solidFill>
+              <a:latin typeface="IBM Plex Sans"/>
+            </a:endParaRPr>
+          </a:p>
+          <a:p>
+            <a:r>
+              <a:rPr lang="fr-FR" dirty="0">
+                <a:solidFill>
+                  <a:srgbClr val="1C1E21"/>
+                </a:solidFill>
+                <a:latin typeface="IBM Plex Sans"/>
+              </a:rPr>
+              <a:t>4. </a:t>
+            </a:r>
+            <a:r>
+              <a:rPr lang="en-US" dirty="0">
+                <a:solidFill>
+                  <a:srgbClr val="1C1E21"/>
+                </a:solidFill>
+                <a:effectLst/>
+                <a:latin typeface="IBM Plex Sans"/>
+              </a:rPr>
+              <a:t>Next step is to configure a minimal WebdriverIO setup that we start building up as we migrate from one framework to another. Install the WebdriverIO CLI via:</a:t>
+            </a:r>
+            <a:endParaRPr lang="en-US" b="1" dirty="0">
+              <a:solidFill>
+                <a:srgbClr val="1C1E21"/>
+              </a:solidFill>
+              <a:latin typeface="IBM Plex Sans"/>
+            </a:endParaRPr>
+          </a:p>
+          <a:p>
+            <a:r>
+              <a:rPr lang="en-US" b="1" dirty="0">
+                <a:solidFill>
+                  <a:srgbClr val="1C1E21"/>
+                </a:solidFill>
+                <a:latin typeface="IBM Plex Sans"/>
+              </a:rPr>
+              <a:t>	</a:t>
+            </a:r>
+            <a:r>
+              <a:rPr lang="en-US" b="1" dirty="0" err="1">
+                <a:solidFill>
+                  <a:srgbClr val="1C1E21"/>
+                </a:solidFill>
+                <a:latin typeface="IBM Plex Sans"/>
+              </a:rPr>
+              <a:t>npm</a:t>
+            </a:r>
+            <a:r>
+              <a:rPr lang="en-US" b="1" dirty="0">
+                <a:solidFill>
+                  <a:srgbClr val="1C1E21"/>
+                </a:solidFill>
+                <a:latin typeface="IBM Plex Sans"/>
+              </a:rPr>
+              <a:t> install --save-dev @wdio/cli</a:t>
+            </a:r>
+          </a:p>
+          <a:p>
+            <a:endParaRPr lang="en-US" b="1" dirty="0">
+              <a:solidFill>
+                <a:srgbClr val="1C1E21"/>
+              </a:solidFill>
+              <a:latin typeface="IBM Plex Sans"/>
+            </a:endParaRPr>
+          </a:p>
+          <a:p>
+            <a:pPr>
+              <a:lnSpc>
+                <a:spcPct val="107000"/>
+              </a:lnSpc>
+              <a:spcBef>
+                <a:spcPts val="375"/>
+              </a:spcBef>
+              <a:spcAft>
+                <a:spcPts val="1125"/>
+              </a:spcAft>
+            </a:pPr>
+            <a:endParaRPr lang="en-IN" sz="1800" dirty="0">
+              <a:effectLst/>
+              <a:latin typeface="Calibri" panose="020F0502020204030204" pitchFamily="34" charset="0"/>
+              <a:ea typeface="Calibri" panose="020F0502020204030204" pitchFamily="34" charset="0"/>
+              <a:cs typeface="Times New Roman" panose="02020603050405020304" pitchFamily="18" charset="0"/>
+            </a:endParaRPr>
+          </a:p>
+        </p:txBody>
+      </p:sp>
+    </p:spTree>
+    <p:extLst>
+      <p:ext uri="{BB962C8B-B14F-4D97-AF65-F5344CB8AC3E}">
+        <p14:creationId xmlns:p14="http://schemas.microsoft.com/office/powerpoint/2010/main" val="593633681"/>
+      </p:ext>
+    </p:extLst>
+  </p:cSld>
+  <p:clrMapOvr>
+    <a:masterClrMapping/>
+  </p:clrMapOvr>
+</p:sld>
+</file>
+
+<file path=ppt/slides/slide34.xml><?xml version="1.0" encoding="utf-8"?>
+<p:sld xmlns:a="http://schemas.openxmlformats.org/drawingml/2006/main" xmlns:r="http://schemas.openxmlformats.org/officeDocument/2006/relationships" xmlns:p="http://schemas.openxmlformats.org/presentationml/2006/main">
+  <p:cSld>
+    <p:spTree>
+      <p:nvGrpSpPr>
+        <p:cNvPr id="1" name=""/>
+        <p:cNvGrpSpPr/>
+        <p:nvPr/>
+      </p:nvGrpSpPr>
+      <p:grpSpPr>
+        <a:xfrm>
+          <a:off x="0" y="0"/>
+          <a:ext cx="0" cy="0"/>
+          <a:chOff x="0" y="0"/>
+          <a:chExt cx="0" cy="0"/>
+        </a:xfrm>
+      </p:grpSpPr>
+      <p:sp>
+        <p:nvSpPr>
+          <p:cNvPr id="2" name="Title 1">
+            <a:extLst>
+              <a:ext uri="{FF2B5EF4-FFF2-40B4-BE49-F238E27FC236}">
+                <a16:creationId xmlns:a16="http://schemas.microsoft.com/office/drawing/2014/main" id="{5703B1AE-0C23-4E64-8EA4-D1EB7AC74184}"/>
+              </a:ext>
+            </a:extLst>
+          </p:cNvPr>
+          <p:cNvSpPr>
+            <a:spLocks noGrp="1"/>
+          </p:cNvSpPr>
+          <p:nvPr>
+            <p:ph type="title"/>
+          </p:nvPr>
+        </p:nvSpPr>
+        <p:spPr>
+          <a:xfrm>
+            <a:off x="677334" y="579120"/>
+            <a:ext cx="8596668" cy="1320800"/>
+          </a:xfrm>
+        </p:spPr>
+        <p:txBody>
+          <a:bodyPr/>
+          <a:lstStyle/>
+          <a:p>
+            <a:r>
+              <a:rPr lang="en-IN" dirty="0"/>
+              <a:t>Protractor To WebdriverIO. Continued..</a:t>
+            </a:r>
+          </a:p>
+        </p:txBody>
+      </p:sp>
+      <p:sp>
+        <p:nvSpPr>
+          <p:cNvPr id="3" name="TextBox 2">
+            <a:extLst>
+              <a:ext uri="{FF2B5EF4-FFF2-40B4-BE49-F238E27FC236}">
+                <a16:creationId xmlns:a16="http://schemas.microsoft.com/office/drawing/2014/main" id="{11A06A6F-D366-4227-9879-698B7966A8ED}"/>
+              </a:ext>
+            </a:extLst>
+          </p:cNvPr>
+          <p:cNvSpPr txBox="1"/>
+          <p:nvPr/>
+        </p:nvSpPr>
+        <p:spPr>
+          <a:xfrm>
+            <a:off x="1148080" y="1483360"/>
+            <a:ext cx="9641840" cy="4469685"/>
+          </a:xfrm>
+          <a:prstGeom prst="rect">
+            <a:avLst/>
+          </a:prstGeom>
+          <a:noFill/>
+        </p:spPr>
+        <p:txBody>
+          <a:bodyPr wrap="square" rtlCol="0">
+            <a:spAutoFit/>
+          </a:bodyPr>
+          <a:lstStyle/>
+          <a:p>
+            <a:pPr marL="457200" indent="-457200">
+              <a:lnSpc>
+                <a:spcPct val="107000"/>
+              </a:lnSpc>
+              <a:spcBef>
+                <a:spcPts val="375"/>
+              </a:spcBef>
+              <a:spcAft>
+                <a:spcPts val="1125"/>
+              </a:spcAft>
+              <a:buAutoNum type="arabicPeriod" startAt="5"/>
+            </a:pPr>
+            <a:r>
+              <a:rPr lang="en-US" sz="2000" dirty="0">
+                <a:solidFill>
+                  <a:srgbClr val="1C1E21"/>
+                </a:solidFill>
+                <a:latin typeface="IBM Plex Sans"/>
+              </a:rPr>
+              <a:t>Run the configuration wizard as done while setting up WebdriverIO framework	</a:t>
+            </a:r>
+            <a:r>
+              <a:rPr lang="en-US" sz="2000" dirty="0" err="1">
+                <a:solidFill>
+                  <a:srgbClr val="1C1E21"/>
+                </a:solidFill>
+                <a:latin typeface="IBM Plex Sans"/>
+              </a:rPr>
+              <a:t>npx</a:t>
+            </a:r>
+            <a:r>
+              <a:rPr lang="en-US" sz="2000" dirty="0">
+                <a:solidFill>
+                  <a:srgbClr val="1C1E21"/>
+                </a:solidFill>
+                <a:latin typeface="IBM Plex Sans"/>
+              </a:rPr>
+              <a:t> 	</a:t>
+            </a:r>
+            <a:r>
+              <a:rPr lang="en-US" sz="2000" b="1" dirty="0" err="1">
+                <a:solidFill>
+                  <a:srgbClr val="1C1E21"/>
+                </a:solidFill>
+                <a:latin typeface="IBM Plex Sans"/>
+              </a:rPr>
+              <a:t>wdio</a:t>
+            </a:r>
+            <a:r>
+              <a:rPr lang="en-US" sz="2000" b="1" dirty="0">
+                <a:solidFill>
+                  <a:srgbClr val="1C1E21"/>
+                </a:solidFill>
+                <a:latin typeface="IBM Plex Sans"/>
+              </a:rPr>
+              <a:t> config</a:t>
+            </a:r>
+          </a:p>
+          <a:p>
+            <a:pPr marL="457200" indent="-457200">
+              <a:lnSpc>
+                <a:spcPct val="107000"/>
+              </a:lnSpc>
+              <a:spcBef>
+                <a:spcPts val="375"/>
+              </a:spcBef>
+              <a:spcAft>
+                <a:spcPts val="1125"/>
+              </a:spcAft>
+              <a:buAutoNum type="arabicPeriod" startAt="5"/>
+            </a:pPr>
+            <a:r>
+              <a:rPr lang="en-US" sz="2000" dirty="0">
+                <a:solidFill>
+                  <a:srgbClr val="1C1E21"/>
+                </a:solidFill>
+                <a:latin typeface="IBM Plex Sans"/>
+              </a:rPr>
+              <a:t>After we have a transformed </a:t>
+            </a:r>
+            <a:r>
+              <a:rPr lang="en-US" sz="2000" dirty="0" err="1">
+                <a:solidFill>
+                  <a:srgbClr val="1C1E21"/>
+                </a:solidFill>
+                <a:latin typeface="IBM Plex Sans"/>
+              </a:rPr>
+              <a:t>conf.ts</a:t>
+            </a:r>
+            <a:r>
+              <a:rPr lang="en-US" sz="2000" dirty="0">
+                <a:solidFill>
+                  <a:srgbClr val="1C1E21"/>
+                </a:solidFill>
+                <a:latin typeface="IBM Plex Sans"/>
+              </a:rPr>
+              <a:t> and a new </a:t>
+            </a:r>
+            <a:r>
+              <a:rPr lang="en-US" sz="2000" dirty="0" err="1">
+                <a:solidFill>
+                  <a:srgbClr val="1C1E21"/>
+                </a:solidFill>
+                <a:latin typeface="IBM Plex Sans"/>
+              </a:rPr>
+              <a:t>wdio.conf.ts</a:t>
+            </a:r>
+            <a:r>
+              <a:rPr lang="en-US" sz="2000" dirty="0">
+                <a:solidFill>
+                  <a:srgbClr val="1C1E21"/>
+                </a:solidFill>
+                <a:latin typeface="IBM Plex Sans"/>
+              </a:rPr>
+              <a:t>, it is now time to migrate the configuration from one config to another. Make sure to only port code that is essential for all tests to be able to run. In ours we port the hook function and framework timeout.</a:t>
+            </a:r>
+          </a:p>
+          <a:p>
+            <a:pPr marL="457200" indent="-457200">
+              <a:lnSpc>
+                <a:spcPct val="107000"/>
+              </a:lnSpc>
+              <a:spcBef>
+                <a:spcPts val="375"/>
+              </a:spcBef>
+              <a:spcAft>
+                <a:spcPts val="1125"/>
+              </a:spcAft>
+              <a:buAutoNum type="arabicPeriod" startAt="5"/>
+            </a:pPr>
+            <a:r>
+              <a:rPr lang="en-US" sz="2000" dirty="0">
+                <a:solidFill>
+                  <a:srgbClr val="1C1E21"/>
+                </a:solidFill>
+                <a:latin typeface="IBM Plex Sans"/>
+              </a:rPr>
+              <a:t>Migrate the test files</a:t>
+            </a:r>
+          </a:p>
+          <a:p>
+            <a:pPr>
+              <a:lnSpc>
+                <a:spcPct val="107000"/>
+              </a:lnSpc>
+              <a:spcBef>
+                <a:spcPts val="375"/>
+              </a:spcBef>
+              <a:spcAft>
+                <a:spcPts val="1125"/>
+              </a:spcAft>
+            </a:pPr>
+            <a:r>
+              <a:rPr lang="en-US" sz="2000" b="1" i="1" dirty="0">
+                <a:solidFill>
+                  <a:srgbClr val="1C1E21"/>
+                </a:solidFill>
+                <a:latin typeface="IBM Plex Sans"/>
+              </a:rPr>
+              <a:t>	</a:t>
+            </a:r>
+            <a:r>
+              <a:rPr lang="en-US" sz="2000" b="1" i="1" dirty="0" err="1">
+                <a:solidFill>
+                  <a:srgbClr val="1C1E21"/>
+                </a:solidFill>
+                <a:latin typeface="IBM Plex Sans"/>
+              </a:rPr>
+              <a:t>npx</a:t>
+            </a:r>
+            <a:r>
+              <a:rPr lang="en-US" sz="2000" b="1" i="1" dirty="0">
+                <a:solidFill>
+                  <a:srgbClr val="1C1E21"/>
+                </a:solidFill>
+                <a:latin typeface="IBM Plex Sans"/>
+              </a:rPr>
+              <a:t> </a:t>
+            </a:r>
+            <a:r>
+              <a:rPr lang="en-US" sz="2000" b="1" i="1" dirty="0" err="1">
+                <a:solidFill>
+                  <a:srgbClr val="1C1E21"/>
+                </a:solidFill>
+                <a:latin typeface="IBM Plex Sans"/>
+              </a:rPr>
+              <a:t>jscodeshift</a:t>
+            </a:r>
+            <a:r>
+              <a:rPr lang="en-US" sz="2000" b="1" i="1" dirty="0">
+                <a:solidFill>
+                  <a:srgbClr val="1C1E21"/>
+                </a:solidFill>
+                <a:latin typeface="IBM Plex Sans"/>
+              </a:rPr>
+              <a:t> -t </a:t>
+            </a:r>
+            <a:r>
+              <a:rPr lang="en-US" sz="2000" b="1" i="1" dirty="0">
+                <a:solidFill>
+                  <a:srgbClr val="1C1E21"/>
+                </a:solidFill>
+                <a:latin typeface="IBM Plex Sans"/>
+                <a:hlinkClick r:id="rId2"/>
+              </a:rPr>
+              <a:t>./</a:t>
+            </a:r>
+            <a:r>
+              <a:rPr lang="en-US" sz="2000" b="1" i="1" dirty="0" err="1">
+                <a:solidFill>
+                  <a:srgbClr val="1C1E21"/>
+                </a:solidFill>
+                <a:latin typeface="IBM Plex Sans"/>
+                <a:hlinkClick r:id="rId2"/>
+              </a:rPr>
+              <a:t>node_modules</a:t>
+            </a:r>
+            <a:r>
+              <a:rPr lang="en-US" sz="2000" b="1" i="1" dirty="0">
+                <a:solidFill>
+                  <a:srgbClr val="1C1E21"/>
+                </a:solidFill>
+                <a:latin typeface="IBM Plex Sans"/>
+                <a:hlinkClick r:id="rId2"/>
+              </a:rPr>
+              <a:t>/@wdio/codemod/protractor ./test/specs/first-</a:t>
+            </a:r>
+            <a:r>
+              <a:rPr lang="en-US" sz="2000" b="1" i="1" dirty="0" err="1">
+                <a:solidFill>
+                  <a:srgbClr val="1C1E21"/>
+                </a:solidFill>
+                <a:latin typeface="IBM Plex Sans"/>
+                <a:hlinkClick r:id="rId2"/>
+              </a:rPr>
+              <a:t>test.spec.ts</a:t>
+            </a:r>
+            <a:endParaRPr lang="en-US" sz="2000" b="1" i="1" dirty="0">
+              <a:solidFill>
+                <a:srgbClr val="1C1E21"/>
+              </a:solidFill>
+              <a:latin typeface="IBM Plex Sans"/>
+            </a:endParaRPr>
+          </a:p>
+          <a:p>
+            <a:pPr>
+              <a:lnSpc>
+                <a:spcPct val="107000"/>
+              </a:lnSpc>
+              <a:spcBef>
+                <a:spcPts val="375"/>
+              </a:spcBef>
+              <a:spcAft>
+                <a:spcPts val="1125"/>
+              </a:spcAft>
+            </a:pPr>
+            <a:r>
+              <a:rPr lang="en-US" sz="2000" b="0" i="1" dirty="0">
+                <a:solidFill>
+                  <a:srgbClr val="1C1E21"/>
+                </a:solidFill>
+                <a:effectLst/>
+                <a:latin typeface="IBM Plex Sans"/>
+              </a:rPr>
+              <a:t>For some Protractor commands there is just no replacement for it in WebdriverIO. In this case the </a:t>
+            </a:r>
+            <a:r>
+              <a:rPr lang="en-US" sz="2000" b="0" i="1" dirty="0" err="1">
+                <a:solidFill>
+                  <a:srgbClr val="1C1E21"/>
+                </a:solidFill>
+                <a:effectLst/>
+                <a:latin typeface="IBM Plex Sans"/>
+              </a:rPr>
+              <a:t>codemod</a:t>
+            </a:r>
+            <a:r>
+              <a:rPr lang="en-US" sz="2000" b="0" i="1" dirty="0">
+                <a:solidFill>
+                  <a:srgbClr val="1C1E21"/>
+                </a:solidFill>
+                <a:effectLst/>
+                <a:latin typeface="IBM Plex Sans"/>
+              </a:rPr>
+              <a:t> will give you some advice how to refactor it.</a:t>
+            </a:r>
+            <a:endParaRPr lang="en-IN" sz="2000" b="1" i="1" dirty="0">
+              <a:solidFill>
+                <a:srgbClr val="1C1E21"/>
+              </a:solidFill>
+              <a:latin typeface="IBM Plex Sans"/>
+            </a:endParaRPr>
+          </a:p>
+        </p:txBody>
+      </p:sp>
+    </p:spTree>
+    <p:extLst>
+      <p:ext uri="{BB962C8B-B14F-4D97-AF65-F5344CB8AC3E}">
+        <p14:creationId xmlns:p14="http://schemas.microsoft.com/office/powerpoint/2010/main" val="2339227144"/>
       </p:ext>
     </p:extLst>
   </p:cSld>
